--- a/ppt/포트폴리오.pptx
+++ b/ppt/포트폴리오.pptx
@@ -1,8 +1,8 @@
 
 <file path=ppt/presentation.xml><?xml version="1.0" encoding="utf-8"?>
-<p:presentation xmlns:a="http://schemas.openxmlformats.org/drawingml/2006/main" xmlns:r="http://schemas.openxmlformats.org/officeDocument/2006/relationships" xmlns:p="http://schemas.openxmlformats.org/presentationml/2006/main" saveSubsetFonts="1">
+<p:presentation xmlns:r="http://schemas.openxmlformats.org/officeDocument/2006/relationships" xmlns:c="http://schemas.openxmlformats.org/drawingml/2006/chart" xmlns:a="http://schemas.openxmlformats.org/drawingml/2006/main" xmlns:dgm="http://schemas.openxmlformats.org/drawingml/2006/diagram" xmlns:dsp="http://schemas.microsoft.com/office/drawing/2008/diagram" xmlns:p="http://schemas.openxmlformats.org/presentationml/2006/main" saveSubsetFonts="1">
   <p:sldMasterIdLst>
-    <p:sldMasterId id="2147483648" r:id="rId1"/>
+    <p:sldMasterId id="2147483661" r:id="rId1"/>
   </p:sldMasterIdLst>
   <p:sldIdLst>
     <p:sldId id="256" r:id="rId2"/>
@@ -3022,7 +3022,7 @@
 </file>
 
 <file path=ppt/slides/slide1.xml><?xml version="1.0" encoding="utf-8"?>
-<p:sld xmlns:a="http://schemas.openxmlformats.org/drawingml/2006/main" xmlns:r="http://schemas.openxmlformats.org/officeDocument/2006/relationships" xmlns:p="http://schemas.openxmlformats.org/presentationml/2006/main">
+<p:sld xmlns:r="http://schemas.openxmlformats.org/officeDocument/2006/relationships" xmlns:c="http://schemas.openxmlformats.org/drawingml/2006/chart" xmlns:a="http://schemas.openxmlformats.org/drawingml/2006/main" xmlns:dgm="http://schemas.openxmlformats.org/drawingml/2006/diagram" xmlns:dsp="http://schemas.microsoft.com/office/drawing/2008/diagram" xmlns:p="http://schemas.openxmlformats.org/presentationml/2006/main">
   <p:cSld>
     <p:spTree>
       <p:nvGrpSpPr>
@@ -3045,7 +3045,7 @@
             <a:spLocks noGrp="1"/>
           </p:cNvSpPr>
           <p:nvPr>
-            <p:ph type="ctrTitle"/>
+            <p:ph type="ctrTitle" idx="0"/>
           </p:nvPr>
         </p:nvSpPr>
         <p:spPr>
@@ -3056,16 +3056,28 @@
         </p:spPr>
         <p:txBody>
           <a:bodyPr>
-            <a:normAutofit/>
+            <a:normAutofit fontScale="90000"/>
           </a:bodyPr>
           <a:lstStyle/>
           <a:p>
-            <a:pPr algn="l"/>
-            <a:r>
-              <a:rPr lang="en-US" altLang="ko-KR" smtClean="0"/>
+            <a:pPr algn="l">
+              <a:defRPr lang="ko-KR" altLang="en-US"/>
+            </a:pPr>
+            <a:r>
+              <a:rPr lang="en-US" altLang="ko-KR"/>
               <a:t>Wed Project(Team2)	09/16</a:t>
             </a:r>
-            <a:endParaRPr lang="ko-KR" altLang="en-US"/>
+            <a:endParaRPr lang="en-US" altLang="ko-KR"/>
+          </a:p>
+          <a:p>
+            <a:pPr algn="l">
+              <a:defRPr lang="ko-KR" altLang="en-US"/>
+            </a:pPr>
+            <a:r>
+              <a:rPr lang="ko-KR" altLang="en-US" sz="2000"/>
+              <a:t>-숙박시설 등록 및 예약 사이트-</a:t>
+            </a:r>
+            <a:endParaRPr lang="ko-KR" altLang="en-US" sz="2000"/>
           </a:p>
         </p:txBody>
       </p:sp>
@@ -3077,8 +3089,8 @@
         </p:nvSpPr>
         <p:spPr>
           <a:xfrm>
-            <a:off x="857224" y="1714488"/>
-            <a:ext cx="7429552" cy="5355312"/>
+            <a:off x="857177" y="1714488"/>
+            <a:ext cx="7429552" cy="5303532"/>
           </a:xfrm>
           <a:prstGeom prst="rect">
             <a:avLst/>
@@ -3086,189 +3098,283 @@
           <a:noFill/>
         </p:spPr>
         <p:txBody>
-          <a:bodyPr wrap="square" rtlCol="0">
+          <a:bodyPr wrap="square">
             <a:spAutoFit/>
           </a:bodyPr>
           <a:lstStyle/>
           <a:p>
-            <a:endParaRPr lang="en-US" altLang="ko-KR" smtClean="0"/>
-          </a:p>
-          <a:p>
-            <a:r>
-              <a:rPr lang="ko-KR" altLang="en-US" smtClean="0"/>
-              <a:t>현재 진행상황</a:t>
-            </a:r>
-          </a:p>
-          <a:p>
-            <a:endParaRPr lang="en-US" altLang="ko-KR"/>
-          </a:p>
-          <a:p>
-            <a:pPr>
-              <a:buFontTx/>
-              <a:buChar char="-"/>
-            </a:pPr>
-            <a:r>
-              <a:rPr lang="ko-KR" altLang="en-US" smtClean="0"/>
-              <a:t>숙소정</a:t>
-            </a:r>
-            <a:r>
-              <a:rPr lang="ko-KR" altLang="en-US"/>
-              <a:t>보</a:t>
-            </a:r>
-            <a:r>
-              <a:rPr lang="ko-KR" altLang="en-US" smtClean="0"/>
-              <a:t>페이지  </a:t>
-            </a:r>
-            <a:r>
-              <a:rPr lang="en-US" altLang="ko-KR" smtClean="0"/>
-              <a:t>fornt </a:t>
-            </a:r>
-            <a:r>
-              <a:rPr lang="ko-KR" altLang="en-US" smtClean="0"/>
-              <a:t>작업</a:t>
-            </a:r>
-            <a:endParaRPr lang="en-US" altLang="ko-KR" smtClean="0"/>
-          </a:p>
-          <a:p>
-            <a:pPr>
-              <a:buFontTx/>
-              <a:buChar char="-"/>
-            </a:pPr>
-            <a:r>
-              <a:rPr lang="ko-KR" altLang="en-US" smtClean="0"/>
-              <a:t>로그인</a:t>
-            </a:r>
-            <a:r>
-              <a:rPr lang="en-US" altLang="ko-KR" smtClean="0"/>
-              <a:t>, </a:t>
-            </a:r>
-            <a:r>
-              <a:rPr lang="ko-KR" altLang="en-US"/>
-              <a:t> </a:t>
-            </a:r>
-            <a:r>
-              <a:rPr lang="ko-KR" altLang="en-US" smtClean="0"/>
-              <a:t>회원가입 </a:t>
-            </a:r>
-            <a:r>
-              <a:rPr lang="en-US" altLang="ko-KR" smtClean="0"/>
-              <a:t>front </a:t>
-            </a:r>
-            <a:r>
-              <a:rPr lang="ko-KR" altLang="en-US" smtClean="0"/>
-              <a:t>작업</a:t>
-            </a:r>
-            <a:endParaRPr lang="en-US" altLang="ko-KR" smtClean="0"/>
-          </a:p>
-          <a:p>
-            <a:pPr>
-              <a:buFontTx/>
-              <a:buChar char="-"/>
+            <a:pPr lvl="0">
+              <a:defRPr lang="ko-KR" altLang="en-US"/>
             </a:pPr>
             <a:endParaRPr lang="en-US" altLang="ko-KR"/>
           </a:p>
           <a:p>
+            <a:pPr lvl="0">
+              <a:defRPr lang="ko-KR" altLang="en-US"/>
+            </a:pPr>
+            <a:r>
+              <a:rPr lang="ko-KR" altLang="en-US"/>
+              <a:t>현재 진행상황</a:t>
+            </a:r>
+            <a:endParaRPr lang="ko-KR" altLang="en-US"/>
+          </a:p>
+          <a:p>
+            <a:pPr lvl="0">
+              <a:defRPr lang="ko-KR" altLang="en-US"/>
+            </a:pPr>
+            <a:endParaRPr lang="en-US" altLang="ko-KR"/>
+          </a:p>
+          <a:p>
             <a:pPr>
-              <a:buFontTx/>
               <a:buChar char="-"/>
+              <a:defRPr lang="ko-KR" altLang="en-US"/>
             </a:pPr>
-            <a:endParaRPr lang="en-US" altLang="ko-KR" smtClean="0"/>
-          </a:p>
-          <a:p>
-            <a:endParaRPr lang="en-US" altLang="ko-KR" smtClean="0"/>
-          </a:p>
-          <a:p>
+            <a:r>
+              <a:rPr lang="ko-KR" altLang="en-US"/>
+              <a:t>숙소정보페이지  </a:t>
+            </a:r>
+            <a:r>
+              <a:rPr lang="en-US" altLang="ko-KR"/>
+              <a:t>fornt </a:t>
+            </a:r>
+            <a:r>
+              <a:rPr lang="ko-KR" altLang="en-US"/>
+              <a:t>작업</a:t>
+            </a:r>
+            <a:endParaRPr lang="ko-KR" altLang="en-US"/>
+          </a:p>
+          <a:p>
+            <a:pPr>
+              <a:buChar char="-"/>
+              <a:defRPr lang="ko-KR" altLang="en-US"/>
+            </a:pPr>
+            <a:r>
+              <a:rPr lang="ko-KR" altLang="en-US"/>
+              <a:t>로그인</a:t>
+            </a:r>
+            <a:r>
+              <a:rPr lang="en-US" altLang="ko-KR"/>
+              <a:t>, </a:t>
+            </a:r>
+            <a:r>
+              <a:rPr lang="ko-KR" altLang="en-US"/>
+              <a:t>회원가입 </a:t>
+            </a:r>
+            <a:r>
+              <a:rPr lang="en-US" altLang="ko-KR"/>
+              <a:t>front </a:t>
+            </a:r>
+            <a:r>
+              <a:rPr lang="ko-KR" altLang="en-US"/>
+              <a:t>작업</a:t>
+            </a:r>
+            <a:endParaRPr lang="ko-KR" altLang="en-US"/>
+          </a:p>
+          <a:p>
+            <a:pPr>
+              <a:buChar char="-"/>
+              <a:defRPr lang="ko-KR" altLang="en-US"/>
+            </a:pPr>
+            <a:r>
+              <a:rPr lang="en-US" altLang="ko-KR"/>
+              <a:t>js</a:t>
+            </a:r>
+            <a:r>
+              <a:rPr lang="ko-KR" altLang="en-US"/>
+              <a:t>이용하여 </a:t>
+            </a:r>
+            <a:r>
+              <a:rPr lang="en-US" altLang="ko-KR"/>
+              <a:t>footer</a:t>
+            </a:r>
+            <a:r>
+              <a:rPr lang="ko-KR" altLang="en-US"/>
+              <a:t> 및</a:t>
+            </a:r>
+            <a:r>
+              <a:rPr lang="en-US" altLang="ko-KR"/>
+              <a:t> </a:t>
+            </a:r>
+            <a:r>
+              <a:rPr lang="ko-KR" altLang="en-US"/>
+              <a:t>상단 </a:t>
+            </a:r>
+            <a:r>
+              <a:rPr lang="en-US" altLang="ko-KR"/>
+              <a:t>menu</a:t>
+            </a:r>
+            <a:r>
+              <a:rPr lang="ko-KR" altLang="en-US"/>
+              <a:t>구현 </a:t>
+            </a:r>
+            <a:endParaRPr lang="ko-KR" altLang="en-US"/>
+          </a:p>
+          <a:p>
+            <a:pPr>
+              <a:buChar char="-"/>
+              <a:defRPr lang="ko-KR" altLang="en-US"/>
+            </a:pPr>
             <a:endParaRPr lang="en-US" altLang="ko-KR"/>
           </a:p>
           <a:p>
-            <a:r>
-              <a:rPr lang="ko-KR" altLang="en-US" smtClean="0"/>
+            <a:pPr>
+              <a:buChar char="-"/>
+              <a:defRPr lang="ko-KR" altLang="en-US"/>
+            </a:pPr>
+            <a:endParaRPr lang="en-US" altLang="ko-KR"/>
+          </a:p>
+          <a:p>
+            <a:pPr lvl="0">
+              <a:defRPr lang="ko-KR" altLang="en-US"/>
+            </a:pPr>
+            <a:endParaRPr lang="en-US" altLang="ko-KR"/>
+          </a:p>
+          <a:p>
+            <a:pPr lvl="0">
+              <a:defRPr lang="ko-KR" altLang="en-US"/>
+            </a:pPr>
+            <a:endParaRPr lang="en-US" altLang="ko-KR"/>
+          </a:p>
+          <a:p>
+            <a:pPr lvl="0">
+              <a:defRPr lang="ko-KR" altLang="en-US"/>
+            </a:pPr>
+            <a:r>
+              <a:rPr lang="ko-KR" altLang="en-US"/>
               <a:t>진행중 상황</a:t>
             </a:r>
-            <a:endParaRPr lang="en-US" altLang="ko-KR" smtClean="0"/>
-          </a:p>
-          <a:p>
-            <a:r>
-              <a:rPr lang="en-US" altLang="ko-KR" smtClean="0"/>
-              <a:t>-DB</a:t>
-            </a:r>
-            <a:r>
-              <a:rPr lang="ko-KR" altLang="en-US" smtClean="0"/>
-              <a:t>연동 숙소정보페이지 날짜 연결 </a:t>
-            </a:r>
-            <a:endParaRPr lang="en-US" altLang="ko-KR" smtClean="0"/>
-          </a:p>
-          <a:p>
-            <a:r>
-              <a:rPr lang="en-US" altLang="ko-KR" smtClean="0"/>
+            <a:endParaRPr lang="ko-KR" altLang="en-US"/>
+          </a:p>
+          <a:p>
+            <a:pPr lvl="0">
+              <a:defRPr lang="ko-KR" altLang="en-US"/>
+            </a:pPr>
+            <a:r>
+              <a:rPr lang="en-US" altLang="ko-KR"/>
               <a:t>-</a:t>
             </a:r>
             <a:r>
-              <a:rPr lang="ko-KR" altLang="en-US" smtClean="0"/>
-              <a:t>메인페이지 </a:t>
-            </a:r>
-            <a:r>
-              <a:rPr lang="en-US" altLang="ko-KR" smtClean="0"/>
+              <a:rPr lang="ko-KR" altLang="en-US"/>
+              <a:t>숙소정보페이지 </a:t>
+            </a:r>
+            <a:r>
+              <a:rPr lang="en-US" altLang="ko-KR"/>
+              <a:t>DB</a:t>
+            </a:r>
+            <a:r>
+              <a:rPr lang="ko-KR" altLang="en-US"/>
+              <a:t> 연결 </a:t>
+            </a:r>
+            <a:endParaRPr lang="ko-KR" altLang="en-US"/>
+          </a:p>
+          <a:p>
+            <a:pPr lvl="0">
+              <a:defRPr lang="ko-KR" altLang="en-US"/>
+            </a:pPr>
+            <a:r>
+              <a:rPr lang="en-US" altLang="ko-KR"/>
+              <a:t>-</a:t>
+            </a:r>
+            <a:r>
+              <a:rPr lang="ko-KR" altLang="en-US"/>
+              <a:t>숙소리스트 </a:t>
+            </a:r>
+            <a:r>
+              <a:rPr lang="en-US" altLang="ko-KR"/>
               <a:t>front </a:t>
             </a:r>
             <a:r>
-              <a:rPr lang="ko-KR" altLang="en-US" smtClean="0"/>
+              <a:rPr lang="ko-KR" altLang="en-US"/>
               <a:t>작업</a:t>
             </a:r>
-            <a:endParaRPr lang="en-US" altLang="ko-KR" smtClean="0"/>
-          </a:p>
-          <a:p>
-            <a:r>
-              <a:rPr lang="en-US" altLang="ko-KR" smtClean="0"/>
-              <a:t>-</a:t>
-            </a:r>
-            <a:r>
-              <a:rPr lang="ko-KR" altLang="en-US" smtClean="0"/>
-              <a:t>회원정보수정 </a:t>
-            </a:r>
-            <a:r>
-              <a:rPr lang="en-US" altLang="ko-KR" smtClean="0"/>
-              <a:t>front </a:t>
-            </a:r>
-            <a:r>
-              <a:rPr lang="ko-KR" altLang="en-US" smtClean="0"/>
-              <a:t>작업</a:t>
-            </a:r>
-            <a:endParaRPr lang="en-US" altLang="ko-KR" smtClean="0"/>
-          </a:p>
-          <a:p>
-            <a:r>
-              <a:rPr lang="en-US" altLang="ko-KR" smtClean="0"/>
-              <a:t>-</a:t>
-            </a:r>
-            <a:r>
-              <a:rPr lang="ko-KR" altLang="en-US" smtClean="0"/>
-              <a:t>숙소리스트 </a:t>
-            </a:r>
-            <a:r>
-              <a:rPr lang="en-US" altLang="ko-KR" smtClean="0"/>
-              <a:t>front </a:t>
-            </a:r>
-            <a:r>
-              <a:rPr lang="ko-KR" altLang="en-US" smtClean="0"/>
-              <a:t>작업</a:t>
-            </a:r>
-            <a:endParaRPr lang="en-US" altLang="ko-KR" smtClean="0"/>
-          </a:p>
-          <a:p>
+            <a:endParaRPr lang="ko-KR" altLang="en-US"/>
+          </a:p>
+          <a:p>
+            <a:pPr lvl="0">
+              <a:defRPr lang="ko-KR" altLang="en-US"/>
+            </a:pPr>
+            <a:r>
+              <a:rPr lang="ko-KR" altLang="en-US"/>
+              <a:t>-로그인</a:t>
+            </a:r>
+            <a:r>
+              <a:rPr lang="en-US" altLang="ko-KR"/>
+              <a:t> </a:t>
+            </a:r>
+            <a:r>
+              <a:rPr lang="ko-KR" altLang="en-US"/>
+              <a:t>및 회원가입 </a:t>
+            </a:r>
+            <a:r>
+              <a:rPr lang="en-US" altLang="ko-KR"/>
+              <a:t>jsp</a:t>
+            </a:r>
+            <a:r>
+              <a:rPr lang="ko-KR" altLang="en-US"/>
+              <a:t> 작업</a:t>
+            </a:r>
+            <a:endParaRPr lang="ko-KR" altLang="en-US"/>
+          </a:p>
+          <a:p>
+            <a:pPr lvl="0">
+              <a:defRPr lang="ko-KR" altLang="en-US"/>
+            </a:pPr>
             <a:endParaRPr lang="en-US" altLang="ko-KR"/>
           </a:p>
           <a:p>
+            <a:pPr lvl="0">
+              <a:defRPr lang="ko-KR" altLang="en-US"/>
+            </a:pPr>
             <a:endParaRPr lang="en-US" altLang="ko-KR"/>
           </a:p>
           <a:p>
-            <a:endParaRPr lang="en-US" altLang="ko-KR" smtClean="0"/>
-          </a:p>
-          <a:p>
+            <a:pPr lvl="0">
+              <a:defRPr lang="ko-KR" altLang="en-US"/>
+            </a:pPr>
             <a:endParaRPr lang="en-US" altLang="ko-KR"/>
           </a:p>
           <a:p>
+            <a:pPr lvl="0">
+              <a:defRPr lang="ko-KR" altLang="en-US"/>
+            </a:pPr>
             <a:endParaRPr lang="en-US" altLang="ko-KR"/>
+          </a:p>
+          <a:p>
+            <a:pPr lvl="0">
+              <a:defRPr lang="ko-KR" altLang="en-US"/>
+            </a:pPr>
+            <a:endParaRPr lang="en-US" altLang="ko-KR"/>
+          </a:p>
+        </p:txBody>
+      </p:sp>
+      <p:sp>
+        <p:nvSpPr>
+          <p:cNvPr id="5" name=""/>
+          <p:cNvSpPr txBox="1"/>
+          <p:nvPr/>
+        </p:nvSpPr>
+        <p:spPr>
+          <a:xfrm>
+            <a:off x="5652120" y="2060848"/>
+            <a:ext cx="2808312" cy="642347"/>
+          </a:xfrm>
+          <a:prstGeom prst="rect">
+            <a:avLst/>
+          </a:prstGeom>
+        </p:spPr>
+        <p:txBody>
+          <a:bodyPr wrap="square">
+            <a:spAutoFit/>
+          </a:bodyPr>
+          <a:p>
+            <a:pPr>
+              <a:defRPr lang="ko-KR" altLang="en-US"/>
+            </a:pPr>
+            <a:r>
+              <a:rPr lang="ko-KR" altLang="en-US"/>
+              <a:t>조원별로 페이지 파트를 나누어 작업 진행</a:t>
+            </a:r>
+            <a:endParaRPr lang="ko-KR" altLang="en-US"/>
           </a:p>
         </p:txBody>
       </p:sp>
@@ -3277,11 +3383,19 @@
   <p:clrMapOvr>
     <a:masterClrMapping/>
   </p:clrMapOvr>
+  <mc:AlternateContent xmlns:mc="http://schemas.openxmlformats.org/markup-compatibility/2006">
+    <mc:Choice xmlns:p14="http://schemas.microsoft.com/office/powerpoint/2010/main" Requires="p14">
+      <p:transition xmlns:mc="http://schemas.openxmlformats.org/markup-compatibility/2006" xmlns:p14="http://schemas.microsoft.com/office/powerpoint/2010/main" mc:Ignorable="p14" p14:dur="500"/>
+    </mc:Choice>
+    <mc:Fallback>
+      <p:transition/>
+    </mc:Fallback>
+  </mc:AlternateContent>
 </p:sld>
 </file>
 
 <file path=ppt/slides/slide2.xml><?xml version="1.0" encoding="utf-8"?>
-<p:sld xmlns:a="http://schemas.openxmlformats.org/drawingml/2006/main" xmlns:r="http://schemas.openxmlformats.org/officeDocument/2006/relationships" xmlns:p="http://schemas.openxmlformats.org/presentationml/2006/main">
+<p:sld xmlns:r="http://schemas.openxmlformats.org/officeDocument/2006/relationships" xmlns:c="http://schemas.openxmlformats.org/drawingml/2006/chart" xmlns:a="http://schemas.openxmlformats.org/drawingml/2006/main" xmlns:dgm="http://schemas.openxmlformats.org/drawingml/2006/diagram" xmlns:dsp="http://schemas.microsoft.com/office/drawing/2008/diagram" xmlns:p="http://schemas.openxmlformats.org/presentationml/2006/main">
   <p:cSld>
     <p:spTree>
       <p:nvGrpSpPr>
@@ -3304,7 +3418,7 @@
             <a:spLocks noGrp="1"/>
           </p:cNvSpPr>
           <p:nvPr>
-            <p:ph type="title"/>
+            <p:ph type="title" idx="0"/>
           </p:nvPr>
         </p:nvSpPr>
         <p:spPr>
@@ -3319,9 +3433,11 @@
           </a:bodyPr>
           <a:lstStyle/>
           <a:p>
-            <a:pPr algn="l"/>
-            <a:r>
-              <a:rPr lang="ko-KR" altLang="en-US" sz="2800" smtClean="0"/>
+            <a:pPr algn="l">
+              <a:defRPr lang="ko-KR" altLang="en-US"/>
+            </a:pPr>
+            <a:r>
+              <a:rPr lang="ko-KR" altLang="en-US" sz="2800"/>
               <a:t>숙소정보페이지 </a:t>
             </a:r>
             <a:endParaRPr lang="ko-KR" altLang="en-US" sz="2800"/>
@@ -3338,14 +3454,14 @@
             <p:ph idx="1"/>
           </p:nvPr>
         </p:nvPicPr>
-        <p:blipFill>
+        <p:blipFill rotWithShape="1">
           <a:blip r:embed="rId2"/>
           <a:srcRect/>
           <a:stretch>
             <a:fillRect/>
           </a:stretch>
         </p:blipFill>
-        <p:spPr bwMode="auto">
+        <p:spPr>
           <a:xfrm>
             <a:off x="1000100" y="1000108"/>
             <a:ext cx="7063154" cy="4525963"/>
@@ -3356,9 +3472,7 @@
           <a:noFill/>
           <a:ln w="9525">
             <a:noFill/>
-            <a:miter lim="800000"/>
-            <a:headEnd/>
-            <a:tailEnd/>
+            <a:miter/>
           </a:ln>
           <a:effectLst/>
         </p:spPr>
@@ -3371,8 +3485,8 @@
         </p:nvSpPr>
         <p:spPr>
           <a:xfrm>
-            <a:off x="714348" y="5786454"/>
-            <a:ext cx="7643866" cy="369332"/>
+            <a:off x="714339" y="5786454"/>
+            <a:ext cx="7643865" cy="369332"/>
           </a:xfrm>
           <a:prstGeom prst="rect">
             <a:avLst/>
@@ -3380,16 +3494,19 @@
           <a:noFill/>
         </p:spPr>
         <p:txBody>
-          <a:bodyPr wrap="square" rtlCol="0">
+          <a:bodyPr wrap="square">
             <a:spAutoFit/>
           </a:bodyPr>
           <a:lstStyle/>
           <a:p>
-            <a:r>
-              <a:rPr lang="ko-KR" altLang="en-US" smtClean="0"/>
-              <a:t>숙소 정보 및 체크인 체크아웃 달력 구현</a:t>
-            </a:r>
-            <a:endParaRPr lang="en-US" altLang="ko-KR" smtClean="0"/>
+            <a:pPr lvl="0">
+              <a:defRPr lang="ko-KR" altLang="en-US"/>
+            </a:pPr>
+            <a:r>
+              <a:rPr lang="ko-KR" altLang="en-US"/>
+              <a:t>숙소 정보 및 체크인 체크아웃 달력 구현 및 가격 표시 </a:t>
+            </a:r>
+            <a:endParaRPr lang="ko-KR" altLang="en-US"/>
           </a:p>
         </p:txBody>
       </p:sp>
@@ -3398,11 +3515,19 @@
   <p:clrMapOvr>
     <a:masterClrMapping/>
   </p:clrMapOvr>
+  <mc:AlternateContent xmlns:mc="http://schemas.openxmlformats.org/markup-compatibility/2006">
+    <mc:Choice xmlns:p14="http://schemas.microsoft.com/office/powerpoint/2010/main" Requires="p14">
+      <p:transition xmlns:mc="http://schemas.openxmlformats.org/markup-compatibility/2006" xmlns:p14="http://schemas.microsoft.com/office/powerpoint/2010/main" mc:Ignorable="p14" p14:dur="500"/>
+    </mc:Choice>
+    <mc:Fallback>
+      <p:transition/>
+    </mc:Fallback>
+  </mc:AlternateContent>
 </p:sld>
 </file>
 
 <file path=ppt/slides/slide3.xml><?xml version="1.0" encoding="utf-8"?>
-<p:sld xmlns:a="http://schemas.openxmlformats.org/drawingml/2006/main" xmlns:r="http://schemas.openxmlformats.org/officeDocument/2006/relationships" xmlns:p="http://schemas.openxmlformats.org/presentationml/2006/main">
+<p:sld xmlns:r="http://schemas.openxmlformats.org/officeDocument/2006/relationships" xmlns:c="http://schemas.openxmlformats.org/drawingml/2006/chart" xmlns:a="http://schemas.openxmlformats.org/drawingml/2006/main" xmlns:dgm="http://schemas.openxmlformats.org/drawingml/2006/diagram" xmlns:dsp="http://schemas.microsoft.com/office/drawing/2008/diagram" xmlns:p="http://schemas.openxmlformats.org/presentationml/2006/main">
   <p:cSld>
     <p:spTree>
       <p:nvGrpSpPr>
@@ -3425,7 +3550,7 @@
             <a:spLocks noGrp="1"/>
           </p:cNvSpPr>
           <p:nvPr>
-            <p:ph type="title"/>
+            <p:ph type="title" idx="0"/>
           </p:nvPr>
         </p:nvSpPr>
         <p:spPr>
@@ -3440,17 +3565,19 @@
           </a:bodyPr>
           <a:lstStyle/>
           <a:p>
-            <a:pPr algn="l"/>
-            <a:r>
-              <a:rPr lang="ko-KR" altLang="en-US" sz="2800" smtClean="0"/>
+            <a:pPr algn="l">
+              <a:defRPr lang="ko-KR" altLang="en-US"/>
+            </a:pPr>
+            <a:r>
+              <a:rPr lang="ko-KR" altLang="en-US" sz="2800"/>
               <a:t>로그인 </a:t>
             </a:r>
             <a:r>
-              <a:rPr lang="en-US" altLang="ko-KR" sz="2800" smtClean="0"/>
+              <a:rPr lang="en-US" altLang="ko-KR" sz="2800"/>
               <a:t>, </a:t>
             </a:r>
             <a:r>
-              <a:rPr lang="ko-KR" altLang="en-US" sz="2800" smtClean="0"/>
+              <a:rPr lang="ko-KR" altLang="en-US" sz="2800"/>
               <a:t>회원 가입 페이지 </a:t>
             </a:r>
             <a:endParaRPr lang="ko-KR" altLang="en-US" sz="2800"/>
@@ -3467,14 +3594,14 @@
             <p:ph idx="1"/>
           </p:nvPr>
         </p:nvPicPr>
-        <p:blipFill>
+        <p:blipFill rotWithShape="1">
           <a:blip r:embed="rId2"/>
           <a:srcRect/>
           <a:stretch>
             <a:fillRect/>
           </a:stretch>
         </p:blipFill>
-        <p:spPr bwMode="auto">
+        <p:spPr>
           <a:xfrm>
             <a:off x="1571604" y="1214422"/>
             <a:ext cx="5715040" cy="4511839"/>
@@ -3485,9 +3612,7 @@
           <a:noFill/>
           <a:ln w="9525">
             <a:noFill/>
-            <a:miter lim="800000"/>
-            <a:headEnd/>
-            <a:tailEnd/>
+            <a:miter/>
           </a:ln>
           <a:effectLst/>
         </p:spPr>
@@ -3501,7 +3626,7 @@
         <p:spPr>
           <a:xfrm>
             <a:off x="928662" y="6000768"/>
-            <a:ext cx="6929486" cy="646331"/>
+            <a:ext cx="6929486" cy="902952"/>
           </a:xfrm>
           <a:prstGeom prst="rect">
             <a:avLst/>
@@ -3509,18 +3634,42 @@
           <a:noFill/>
         </p:spPr>
         <p:txBody>
-          <a:bodyPr wrap="square" rtlCol="0">
+          <a:bodyPr wrap="square">
             <a:spAutoFit/>
           </a:bodyPr>
           <a:lstStyle/>
           <a:p>
-            <a:r>
-              <a:rPr lang="ko-KR" altLang="en-US" smtClean="0"/>
+            <a:pPr lvl="0">
+              <a:defRPr lang="ko-KR" altLang="en-US"/>
+            </a:pPr>
+            <a:r>
+              <a:rPr lang="ko-KR" altLang="en-US"/>
               <a:t>로그인 페이지 및 회원가입 클릭시 회원가입 페이지로 이동</a:t>
             </a:r>
-            <a:endParaRPr lang="en-US" altLang="ko-KR" smtClean="0"/>
-          </a:p>
-          <a:p>
+            <a:endParaRPr lang="ko-KR" altLang="en-US"/>
+          </a:p>
+          <a:p>
+            <a:pPr lvl="0">
+              <a:defRPr lang="ko-KR" altLang="en-US"/>
+            </a:pPr>
+            <a:r>
+              <a:rPr lang="ko-KR" altLang="en-US"/>
+              <a:t>-</a:t>
+            </a:r>
+            <a:r>
+              <a:rPr lang="en-US" altLang="ko-KR"/>
+              <a:t>jsp</a:t>
+            </a:r>
+            <a:r>
+              <a:rPr lang="ko-KR" altLang="en-US"/>
+              <a:t> 작업 진행중</a:t>
+            </a:r>
+            <a:endParaRPr lang="ko-KR" altLang="en-US"/>
+          </a:p>
+          <a:p>
+            <a:pPr lvl="0">
+              <a:defRPr lang="ko-KR" altLang="en-US"/>
+            </a:pPr>
             <a:endParaRPr lang="ko-KR" altLang="en-US"/>
           </a:p>
         </p:txBody>
@@ -3530,11 +3679,19 @@
   <p:clrMapOvr>
     <a:masterClrMapping/>
   </p:clrMapOvr>
+  <mc:AlternateContent xmlns:mc="http://schemas.openxmlformats.org/markup-compatibility/2006">
+    <mc:Choice xmlns:p14="http://schemas.microsoft.com/office/powerpoint/2010/main" Requires="p14">
+      <p:transition xmlns:mc="http://schemas.openxmlformats.org/markup-compatibility/2006" xmlns:p14="http://schemas.microsoft.com/office/powerpoint/2010/main" mc:Ignorable="p14" p14:dur="500"/>
+    </mc:Choice>
+    <mc:Fallback>
+      <p:transition/>
+    </mc:Fallback>
+  </mc:AlternateContent>
 </p:sld>
 </file>
 
 <file path=ppt/slides/slide4.xml><?xml version="1.0" encoding="utf-8"?>
-<p:sld xmlns:a="http://schemas.openxmlformats.org/drawingml/2006/main" xmlns:r="http://schemas.openxmlformats.org/officeDocument/2006/relationships" xmlns:p="http://schemas.openxmlformats.org/presentationml/2006/main">
+<p:sld xmlns:r="http://schemas.openxmlformats.org/officeDocument/2006/relationships" xmlns:c="http://schemas.openxmlformats.org/drawingml/2006/chart" xmlns:a="http://schemas.openxmlformats.org/drawingml/2006/main" xmlns:dgm="http://schemas.openxmlformats.org/drawingml/2006/diagram" xmlns:dsp="http://schemas.microsoft.com/office/drawing/2008/diagram" xmlns:p="http://schemas.openxmlformats.org/presentationml/2006/main">
   <p:cSld>
     <p:spTree>
       <p:nvGrpSpPr>
@@ -3557,7 +3714,7 @@
             <a:spLocks noGrp="1"/>
           </p:cNvSpPr>
           <p:nvPr>
-            <p:ph type="title"/>
+            <p:ph type="title" idx="0"/>
           </p:nvPr>
         </p:nvSpPr>
         <p:spPr>
@@ -3572,17 +3729,19 @@
           </a:bodyPr>
           <a:lstStyle/>
           <a:p>
-            <a:pPr algn="l"/>
-            <a:r>
-              <a:rPr lang="ko-KR" altLang="en-US" sz="2800" smtClean="0"/>
+            <a:pPr algn="l">
+              <a:defRPr lang="ko-KR" altLang="en-US"/>
+            </a:pPr>
+            <a:r>
+              <a:rPr lang="ko-KR" altLang="en-US" sz="2800"/>
               <a:t>로그인 </a:t>
             </a:r>
             <a:r>
-              <a:rPr lang="en-US" altLang="ko-KR" sz="2800" smtClean="0"/>
+              <a:rPr lang="en-US" altLang="ko-KR" sz="2800"/>
               <a:t>, </a:t>
             </a:r>
             <a:r>
-              <a:rPr lang="ko-KR" altLang="en-US" sz="2800" smtClean="0"/>
+              <a:rPr lang="ko-KR" altLang="en-US" sz="2800"/>
               <a:t>회원 가입 페이지 </a:t>
             </a:r>
             <a:endParaRPr lang="ko-KR" altLang="en-US" sz="2800"/>
@@ -3599,14 +3758,14 @@
             <p:ph idx="1"/>
           </p:nvPr>
         </p:nvPicPr>
-        <p:blipFill>
+        <p:blipFill rotWithShape="1">
           <a:blip r:embed="rId2"/>
           <a:srcRect/>
           <a:stretch>
             <a:fillRect/>
           </a:stretch>
         </p:blipFill>
-        <p:spPr bwMode="auto">
+        <p:spPr>
           <a:xfrm>
             <a:off x="928662" y="1571612"/>
             <a:ext cx="3758496" cy="4311894"/>
@@ -3617,9 +3776,7 @@
           <a:noFill/>
           <a:ln w="9525">
             <a:noFill/>
-            <a:miter lim="800000"/>
-            <a:headEnd/>
-            <a:tailEnd/>
+            <a:miter/>
           </a:ln>
           <a:effectLst/>
         </p:spPr>
@@ -3632,8 +3789,8 @@
         </p:nvSpPr>
         <p:spPr>
           <a:xfrm>
-            <a:off x="5286380" y="1785926"/>
-            <a:ext cx="3500462" cy="3139321"/>
+            <a:off x="5286380" y="1785925"/>
+            <a:ext cx="3500462" cy="2555569"/>
           </a:xfrm>
           <a:prstGeom prst="rect">
             <a:avLst/>
@@ -3641,99 +3798,127 @@
           <a:noFill/>
         </p:spPr>
         <p:txBody>
-          <a:bodyPr wrap="square" rtlCol="0">
+          <a:bodyPr wrap="square">
             <a:spAutoFit/>
           </a:bodyPr>
           <a:lstStyle/>
           <a:p>
-            <a:r>
-              <a:rPr lang="ko-KR" altLang="en-US" smtClean="0"/>
+            <a:pPr lvl="0">
+              <a:defRPr lang="ko-KR" altLang="en-US"/>
+            </a:pPr>
+            <a:r>
+              <a:rPr lang="ko-KR" altLang="en-US"/>
               <a:t>회원가입 페이지</a:t>
             </a:r>
-            <a:endParaRPr lang="en-US" altLang="ko-KR" smtClean="0"/>
-          </a:p>
-          <a:p>
-            <a:r>
-              <a:rPr lang="ko-KR" altLang="en-US" smtClean="0"/>
+            <a:endParaRPr lang="ko-KR" altLang="en-US"/>
+          </a:p>
+          <a:p>
+            <a:pPr lvl="0">
+              <a:defRPr lang="ko-KR" altLang="en-US"/>
+            </a:pPr>
+            <a:r>
+              <a:rPr lang="ko-KR" altLang="en-US"/>
               <a:t>이름</a:t>
             </a:r>
             <a:r>
-              <a:rPr lang="en-US" altLang="ko-KR" smtClean="0"/>
+              <a:rPr lang="en-US" altLang="ko-KR"/>
               <a:t>,</a:t>
             </a:r>
             <a:r>
-              <a:rPr lang="ko-KR" altLang="en-US" smtClean="0"/>
+              <a:rPr lang="ko-KR" altLang="en-US"/>
               <a:t>이메일</a:t>
             </a:r>
             <a:r>
-              <a:rPr lang="en-US" altLang="ko-KR" smtClean="0"/>
+              <a:rPr lang="en-US" altLang="ko-KR"/>
               <a:t>(</a:t>
             </a:r>
             <a:r>
-              <a:rPr lang="ko-KR" altLang="en-US" smtClean="0"/>
+              <a:rPr lang="ko-KR" altLang="en-US"/>
               <a:t>로그인아이디</a:t>
             </a:r>
             <a:r>
-              <a:rPr lang="en-US" altLang="ko-KR" smtClean="0"/>
+              <a:rPr lang="en-US" altLang="ko-KR"/>
               <a:t>),</a:t>
             </a:r>
-          </a:p>
-          <a:p>
-            <a:r>
-              <a:rPr lang="ko-KR" altLang="en-US" smtClean="0"/>
+            <a:endParaRPr lang="en-US" altLang="ko-KR"/>
+          </a:p>
+          <a:p>
+            <a:pPr lvl="0">
+              <a:defRPr lang="ko-KR" altLang="en-US"/>
+            </a:pPr>
+            <a:r>
+              <a:rPr lang="ko-KR" altLang="en-US"/>
               <a:t>비밀번호</a:t>
             </a:r>
             <a:r>
-              <a:rPr lang="en-US" altLang="ko-KR" smtClean="0"/>
+              <a:rPr lang="en-US" altLang="ko-KR"/>
               <a:t>,</a:t>
             </a:r>
             <a:r>
-              <a:rPr lang="ko-KR" altLang="en-US" smtClean="0"/>
+              <a:rPr lang="ko-KR" altLang="en-US"/>
               <a:t>비밀번호 확인</a:t>
             </a:r>
             <a:r>
-              <a:rPr lang="en-US" altLang="ko-KR" smtClean="0"/>
+              <a:rPr lang="en-US" altLang="ko-KR"/>
               <a:t>,</a:t>
             </a:r>
-          </a:p>
-          <a:p>
-            <a:r>
-              <a:rPr lang="ko-KR" altLang="en-US" smtClean="0"/>
-              <a:t>생년월일 입력</a:t>
-            </a:r>
-            <a:endParaRPr lang="en-US" altLang="ko-KR" smtClean="0"/>
-          </a:p>
-          <a:p>
             <a:endParaRPr lang="en-US" altLang="ko-KR"/>
           </a:p>
           <a:p>
-            <a:r>
-              <a:rPr lang="ko-KR" altLang="en-US" smtClean="0"/>
-              <a:t>게스트와 호스트로 구별하여 </a:t>
-            </a:r>
-            <a:endParaRPr lang="en-US" altLang="ko-KR" smtClean="0"/>
-          </a:p>
-          <a:p>
-            <a:r>
-              <a:rPr lang="ko-KR" altLang="en-US" smtClean="0"/>
-              <a:t>회원가입 하도록 페이지 구현</a:t>
-            </a:r>
-            <a:endParaRPr lang="en-US" altLang="ko-KR" smtClean="0"/>
-          </a:p>
-          <a:p>
+            <a:pPr lvl="0">
+              <a:defRPr lang="ko-KR" altLang="en-US"/>
+            </a:pPr>
+            <a:r>
+              <a:rPr lang="ko-KR" altLang="en-US"/>
+              <a:t>생년월일 입력하여 </a:t>
+            </a:r>
+            <a:r>
+              <a:rPr lang="en-US" altLang="ko-KR"/>
+              <a:t>DB</a:t>
+            </a:r>
+            <a:r>
+              <a:rPr lang="ko-KR" altLang="en-US"/>
+              <a:t>저장</a:t>
+            </a:r>
+            <a:endParaRPr lang="ko-KR" altLang="en-US"/>
+          </a:p>
+          <a:p>
+            <a:pPr lvl="0">
+              <a:defRPr lang="ko-KR" altLang="en-US"/>
+            </a:pPr>
             <a:endParaRPr lang="en-US" altLang="ko-KR"/>
           </a:p>
           <a:p>
-            <a:r>
-              <a:rPr lang="ko-KR" altLang="en-US" smtClean="0"/>
+            <a:pPr lvl="0">
+              <a:defRPr lang="ko-KR" altLang="en-US"/>
+            </a:pPr>
+            <a:r>
+              <a:rPr lang="ko-KR" altLang="en-US"/>
               <a:t>로그인하기 클릭시 로그인 화면으로 페이지 이동</a:t>
             </a:r>
-            <a:endParaRPr lang="en-US" altLang="ko-KR" smtClean="0"/>
-          </a:p>
-          <a:p>
-            <a:r>
-              <a:rPr lang="ko-KR" altLang="en-US" smtClean="0"/>
-              <a:t> </a:t>
+            <a:endParaRPr lang="ko-KR" altLang="en-US"/>
+          </a:p>
+          <a:p>
+            <a:pPr lvl="0">
+              <a:defRPr lang="ko-KR" altLang="en-US"/>
+            </a:pPr>
+            <a:endParaRPr lang="ko-KR" altLang="en-US"/>
+          </a:p>
+          <a:p>
+            <a:pPr lvl="0">
+              <a:defRPr lang="ko-KR" altLang="en-US"/>
+            </a:pPr>
+            <a:r>
+              <a:rPr lang="ko-KR" altLang="en-US"/>
+              <a:t>-</a:t>
+            </a:r>
+            <a:r>
+              <a:rPr lang="en-US" altLang="ko-KR"/>
+              <a:t>jsp</a:t>
+            </a:r>
+            <a:r>
+              <a:rPr lang="ko-KR" altLang="en-US"/>
+              <a:t>작업 진행중 </a:t>
             </a:r>
             <a:endParaRPr lang="ko-KR" altLang="en-US"/>
           </a:p>
@@ -3744,45 +3929,53 @@
   <p:clrMapOvr>
     <a:masterClrMapping/>
   </p:clrMapOvr>
+  <mc:AlternateContent xmlns:mc="http://schemas.openxmlformats.org/markup-compatibility/2006">
+    <mc:Choice xmlns:p14="http://schemas.microsoft.com/office/powerpoint/2010/main" Requires="p14">
+      <p:transition xmlns:mc="http://schemas.openxmlformats.org/markup-compatibility/2006" xmlns:p14="http://schemas.microsoft.com/office/powerpoint/2010/main" mc:Ignorable="p14" p14:dur="500"/>
+    </mc:Choice>
+    <mc:Fallback>
+      <p:transition/>
+    </mc:Fallback>
+  </mc:AlternateContent>
 </p:sld>
 </file>
 
 <file path=ppt/theme/theme1.xml><?xml version="1.0" encoding="utf-8"?>
-<a:theme xmlns:a="http://schemas.openxmlformats.org/drawingml/2006/main" name="Office 테마">
+<a:theme xmlns:r="http://schemas.openxmlformats.org/officeDocument/2006/relationships" xmlns:c="http://schemas.openxmlformats.org/drawingml/2006/chart" xmlns:dgm="http://schemas.openxmlformats.org/drawingml/2006/diagram" xmlns:dsp="http://schemas.microsoft.com/office/drawing/2008/diagram" xmlns:a="http://schemas.openxmlformats.org/drawingml/2006/main" xmlns:pic="http://schemas.openxmlformats.org/drawingml/2006/picture" xmlns:wp="http://schemas.openxmlformats.org/drawingml/2006/wordprocessingDrawing" xmlns:xdr="http://schemas.openxmlformats.org/drawingml/2006/spreadsheetDrawing" name="Office 테마">
   <a:themeElements>
     <a:clrScheme name="Office">
       <a:dk1>
         <a:sysClr val="windowText" lastClr="000000"/>
       </a:dk1>
       <a:lt1>
-        <a:sysClr val="window" lastClr="FFFFFF"/>
+        <a:sysClr val="window" lastClr="ffffff"/>
       </a:lt1>
       <a:dk2>
-        <a:srgbClr val="1F497D"/>
+        <a:srgbClr val="1f497d"/>
       </a:dk2>
       <a:lt2>
-        <a:srgbClr val="EEECE1"/>
+        <a:srgbClr val="eeece1"/>
       </a:lt2>
       <a:accent1>
-        <a:srgbClr val="4F81BD"/>
+        <a:srgbClr val="4f81bd"/>
       </a:accent1>
       <a:accent2>
-        <a:srgbClr val="C0504D"/>
+        <a:srgbClr val="c0504d"/>
       </a:accent2>
       <a:accent3>
-        <a:srgbClr val="9BBB59"/>
+        <a:srgbClr val="9bbb59"/>
       </a:accent3>
       <a:accent4>
-        <a:srgbClr val="8064A2"/>
+        <a:srgbClr val="8064a2"/>
       </a:accent4>
       <a:accent5>
-        <a:srgbClr val="4BACC6"/>
+        <a:srgbClr val="4bacc6"/>
       </a:accent5>
       <a:accent6>
-        <a:srgbClr val="F79646"/>
+        <a:srgbClr val="f79646"/>
       </a:accent6>
       <a:hlink>
-        <a:srgbClr val="0000FF"/>
+        <a:srgbClr val="0000ff"/>
       </a:hlink>
       <a:folHlink>
         <a:srgbClr val="800080"/>
@@ -3960,17 +4153,6 @@
               </a:srgbClr>
             </a:outerShdw>
           </a:effectLst>
-          <a:scene3d>
-            <a:camera prst="orthographicFront">
-              <a:rot lat="0" lon="0" rev="0"/>
-            </a:camera>
-            <a:lightRig rig="threePt" dir="t">
-              <a:rot lat="0" lon="0" rev="1200000"/>
-            </a:lightRig>
-          </a:scene3d>
-          <a:sp3d>
-            <a:bevelT w="63500" h="25400"/>
-          </a:sp3d>
         </a:effectStyle>
       </a:effectStyleLst>
       <a:bgFillStyleLst>
@@ -4025,7 +4207,5 @@
       </a:bgFillStyleLst>
     </a:fmtScheme>
   </a:themeElements>
-  <a:objectDefaults/>
-  <a:extraClrSchemeLst/>
 </a:theme>
 </file>